--- a/archive/presentations/functionsandmemory.pptx
+++ b/archive/presentations/functionsandmemory.pptx
@@ -11156,7 +11156,7 @@
             <a:tbl>
               <a:tblPr>
                 <a:noFill/>
-                <a:tableStyleId>{F3942578-5DF3-48F0-BBBB-63D1CE356F66}</a:tableStyleId>
+                <a:tableStyleId>{4C520661-3CDC-4D19-9923-129E6CAC7374}</a:tableStyleId>
               </a:tblPr>
               <a:tblGrid>
                 <a:gridCol w="3619500"/>
@@ -11680,7 +11680,7 @@
             <a:tbl>
               <a:tblPr>
                 <a:noFill/>
-                <a:tableStyleId>{5D9A07C7-2FDE-4D44-9087-6B7785D283EE}</a:tableStyleId>
+                <a:tableStyleId>{60404AA7-52A7-4891-AB09-184C451918D3}</a:tableStyleId>
               </a:tblPr>
               <a:tblGrid>
                 <a:gridCol w="1781175"/>
@@ -17067,7 +17067,7 @@
             <a:tbl>
               <a:tblPr>
                 <a:noFill/>
-                <a:tableStyleId>{5D9A07C7-2FDE-4D44-9087-6B7785D283EE}</a:tableStyleId>
+                <a:tableStyleId>{60404AA7-52A7-4891-AB09-184C451918D3}</a:tableStyleId>
               </a:tblPr>
               <a:tblGrid>
                 <a:gridCol w="2077525"/>
@@ -18053,7 +18053,7 @@
             <a:tbl>
               <a:tblPr>
                 <a:noFill/>
-                <a:tableStyleId>{5D9A07C7-2FDE-4D44-9087-6B7785D283EE}</a:tableStyleId>
+                <a:tableStyleId>{60404AA7-52A7-4891-AB09-184C451918D3}</a:tableStyleId>
               </a:tblPr>
               <a:tblGrid>
                 <a:gridCol w="1979125"/>
